--- a/Documentacion/GeneradorOpciones.pptx
+++ b/Documentacion/GeneradorOpciones.pptx
@@ -6,6 +6,13 @@
   </p:sldMasterIdLst>
   <p:sldIdLst>
     <p:sldId id="257" r:id="rId2"/>
+    <p:sldId id="258" r:id="rId3"/>
+    <p:sldId id="259" r:id="rId4"/>
+    <p:sldId id="260" r:id="rId5"/>
+    <p:sldId id="261" r:id="rId6"/>
+    <p:sldId id="262" r:id="rId7"/>
+    <p:sldId id="263" r:id="rId8"/>
+    <p:sldId id="264" r:id="rId9"/>
   </p:sldIdLst>
   <p:sldSz cx="12192000" cy="6858000"/>
   <p:notesSz cx="6858000" cy="9144000"/>
@@ -104,6 +111,11 @@
       </a:defRPr>
     </a:lvl9pPr>
   </p:defaultTextStyle>
+  <p:extLst>
+    <p:ext uri="{EFAFB233-063F-42B5-8137-9DF3F51BA10A}">
+      <p15:sldGuideLst xmlns:p15="http://schemas.microsoft.com/office/powerpoint/2012/main"/>
+    </p:ext>
+  </p:extLst>
 </p:presentation>
 </file>
 
@@ -238,7 +250,7 @@
           <a:p>
             <a:fld id="{E5B10194-B428-4D68-B749-C4A17A9BBD1F}" type="datetimeFigureOut">
               <a:rPr lang="en-US" smtClean="0"/>
-              <a:t>5/24/2019</a:t>
+              <a:t>5/25/2019</a:t>
             </a:fld>
             <a:endParaRPr lang="en-US"/>
           </a:p>
@@ -280,7 +292,7 @@
           <a:p>
             <a:fld id="{AE375C19-D213-49EE-8326-7D2C5692D2F7}" type="slidenum">
               <a:rPr lang="en-US" smtClean="0"/>
-              <a:t>‹#›</a:t>
+              <a:t>‹Nº›</a:t>
             </a:fld>
             <a:endParaRPr lang="en-US"/>
           </a:p>
@@ -408,7 +420,7 @@
           <a:p>
             <a:fld id="{E5B10194-B428-4D68-B749-C4A17A9BBD1F}" type="datetimeFigureOut">
               <a:rPr lang="en-US" smtClean="0"/>
-              <a:t>5/24/2019</a:t>
+              <a:t>5/25/2019</a:t>
             </a:fld>
             <a:endParaRPr lang="en-US"/>
           </a:p>
@@ -450,7 +462,7 @@
           <a:p>
             <a:fld id="{AE375C19-D213-49EE-8326-7D2C5692D2F7}" type="slidenum">
               <a:rPr lang="en-US" smtClean="0"/>
-              <a:t>‹#›</a:t>
+              <a:t>‹Nº›</a:t>
             </a:fld>
             <a:endParaRPr lang="en-US"/>
           </a:p>
@@ -588,7 +600,7 @@
           <a:p>
             <a:fld id="{E5B10194-B428-4D68-B749-C4A17A9BBD1F}" type="datetimeFigureOut">
               <a:rPr lang="en-US" smtClean="0"/>
-              <a:t>5/24/2019</a:t>
+              <a:t>5/25/2019</a:t>
             </a:fld>
             <a:endParaRPr lang="en-US"/>
           </a:p>
@@ -630,7 +642,7 @@
           <a:p>
             <a:fld id="{AE375C19-D213-49EE-8326-7D2C5692D2F7}" type="slidenum">
               <a:rPr lang="en-US" smtClean="0"/>
-              <a:t>‹#›</a:t>
+              <a:t>‹Nº›</a:t>
             </a:fld>
             <a:endParaRPr lang="en-US"/>
           </a:p>
@@ -758,7 +770,7 @@
           <a:p>
             <a:fld id="{E5B10194-B428-4D68-B749-C4A17A9BBD1F}" type="datetimeFigureOut">
               <a:rPr lang="en-US" smtClean="0"/>
-              <a:t>5/24/2019</a:t>
+              <a:t>5/25/2019</a:t>
             </a:fld>
             <a:endParaRPr lang="en-US"/>
           </a:p>
@@ -800,7 +812,7 @@
           <a:p>
             <a:fld id="{AE375C19-D213-49EE-8326-7D2C5692D2F7}" type="slidenum">
               <a:rPr lang="en-US" smtClean="0"/>
-              <a:t>‹#›</a:t>
+              <a:t>‹Nº›</a:t>
             </a:fld>
             <a:endParaRPr lang="en-US"/>
           </a:p>
@@ -1004,7 +1016,7 @@
           <a:p>
             <a:fld id="{E5B10194-B428-4D68-B749-C4A17A9BBD1F}" type="datetimeFigureOut">
               <a:rPr lang="en-US" smtClean="0"/>
-              <a:t>5/24/2019</a:t>
+              <a:t>5/25/2019</a:t>
             </a:fld>
             <a:endParaRPr lang="en-US"/>
           </a:p>
@@ -1046,7 +1058,7 @@
           <a:p>
             <a:fld id="{AE375C19-D213-49EE-8326-7D2C5692D2F7}" type="slidenum">
               <a:rPr lang="en-US" smtClean="0"/>
-              <a:t>‹#›</a:t>
+              <a:t>‹Nº›</a:t>
             </a:fld>
             <a:endParaRPr lang="en-US"/>
           </a:p>
@@ -1236,7 +1248,7 @@
           <a:p>
             <a:fld id="{E5B10194-B428-4D68-B749-C4A17A9BBD1F}" type="datetimeFigureOut">
               <a:rPr lang="en-US" smtClean="0"/>
-              <a:t>5/24/2019</a:t>
+              <a:t>5/25/2019</a:t>
             </a:fld>
             <a:endParaRPr lang="en-US"/>
           </a:p>
@@ -1278,7 +1290,7 @@
           <a:p>
             <a:fld id="{AE375C19-D213-49EE-8326-7D2C5692D2F7}" type="slidenum">
               <a:rPr lang="en-US" smtClean="0"/>
-              <a:t>‹#›</a:t>
+              <a:t>‹Nº›</a:t>
             </a:fld>
             <a:endParaRPr lang="en-US"/>
           </a:p>
@@ -1603,7 +1615,7 @@
           <a:p>
             <a:fld id="{E5B10194-B428-4D68-B749-C4A17A9BBD1F}" type="datetimeFigureOut">
               <a:rPr lang="en-US" smtClean="0"/>
-              <a:t>5/24/2019</a:t>
+              <a:t>5/25/2019</a:t>
             </a:fld>
             <a:endParaRPr lang="en-US"/>
           </a:p>
@@ -1645,7 +1657,7 @@
           <a:p>
             <a:fld id="{AE375C19-D213-49EE-8326-7D2C5692D2F7}" type="slidenum">
               <a:rPr lang="en-US" smtClean="0"/>
-              <a:t>‹#›</a:t>
+              <a:t>‹Nº›</a:t>
             </a:fld>
             <a:endParaRPr lang="en-US"/>
           </a:p>
@@ -1721,7 +1733,7 @@
           <a:p>
             <a:fld id="{E5B10194-B428-4D68-B749-C4A17A9BBD1F}" type="datetimeFigureOut">
               <a:rPr lang="en-US" smtClean="0"/>
-              <a:t>5/24/2019</a:t>
+              <a:t>5/25/2019</a:t>
             </a:fld>
             <a:endParaRPr lang="en-US"/>
           </a:p>
@@ -1763,7 +1775,7 @@
           <a:p>
             <a:fld id="{AE375C19-D213-49EE-8326-7D2C5692D2F7}" type="slidenum">
               <a:rPr lang="en-US" smtClean="0"/>
-              <a:t>‹#›</a:t>
+              <a:t>‹Nº›</a:t>
             </a:fld>
             <a:endParaRPr lang="en-US"/>
           </a:p>
@@ -1816,7 +1828,7 @@
           <a:p>
             <a:fld id="{E5B10194-B428-4D68-B749-C4A17A9BBD1F}" type="datetimeFigureOut">
               <a:rPr lang="en-US" smtClean="0"/>
-              <a:t>5/24/2019</a:t>
+              <a:t>5/25/2019</a:t>
             </a:fld>
             <a:endParaRPr lang="en-US"/>
           </a:p>
@@ -1858,7 +1870,7 @@
           <a:p>
             <a:fld id="{AE375C19-D213-49EE-8326-7D2C5692D2F7}" type="slidenum">
               <a:rPr lang="en-US" smtClean="0"/>
-              <a:t>‹#›</a:t>
+              <a:t>‹Nº›</a:t>
             </a:fld>
             <a:endParaRPr lang="en-US"/>
           </a:p>
@@ -2093,7 +2105,7 @@
           <a:p>
             <a:fld id="{E5B10194-B428-4D68-B749-C4A17A9BBD1F}" type="datetimeFigureOut">
               <a:rPr lang="en-US" smtClean="0"/>
-              <a:t>5/24/2019</a:t>
+              <a:t>5/25/2019</a:t>
             </a:fld>
             <a:endParaRPr lang="en-US"/>
           </a:p>
@@ -2135,7 +2147,7 @@
           <a:p>
             <a:fld id="{AE375C19-D213-49EE-8326-7D2C5692D2F7}" type="slidenum">
               <a:rPr lang="en-US" smtClean="0"/>
-              <a:t>‹#›</a:t>
+              <a:t>‹Nº›</a:t>
             </a:fld>
             <a:endParaRPr lang="en-US"/>
           </a:p>
@@ -2346,7 +2358,7 @@
           <a:p>
             <a:fld id="{E5B10194-B428-4D68-B749-C4A17A9BBD1F}" type="datetimeFigureOut">
               <a:rPr lang="en-US" smtClean="0"/>
-              <a:t>5/24/2019</a:t>
+              <a:t>5/25/2019</a:t>
             </a:fld>
             <a:endParaRPr lang="en-US"/>
           </a:p>
@@ -2388,7 +2400,7 @@
           <a:p>
             <a:fld id="{AE375C19-D213-49EE-8326-7D2C5692D2F7}" type="slidenum">
               <a:rPr lang="en-US" smtClean="0"/>
-              <a:t>‹#›</a:t>
+              <a:t>‹Nº›</a:t>
             </a:fld>
             <a:endParaRPr lang="en-US"/>
           </a:p>
@@ -2559,7 +2571,7 @@
           <a:p>
             <a:fld id="{E5B10194-B428-4D68-B749-C4A17A9BBD1F}" type="datetimeFigureOut">
               <a:rPr lang="en-US" smtClean="0"/>
-              <a:t>5/24/2019</a:t>
+              <a:t>5/25/2019</a:t>
             </a:fld>
             <a:endParaRPr lang="en-US"/>
           </a:p>
@@ -2637,7 +2649,7 @@
           <a:p>
             <a:fld id="{AE375C19-D213-49EE-8326-7D2C5692D2F7}" type="slidenum">
               <a:rPr lang="en-US" smtClean="0"/>
-              <a:t>‹#›</a:t>
+              <a:t>‹Nº›</a:t>
             </a:fld>
             <a:endParaRPr lang="en-US"/>
           </a:p>
@@ -2984,13 +2996,13 @@
         </p:nvSpPr>
         <p:spPr>
           <a:xfrm>
-            <a:off x="5387925" y="949569"/>
-            <a:ext cx="6147581" cy="1301262"/>
+            <a:off x="4364967" y="949569"/>
+            <a:ext cx="7170540" cy="1301262"/>
           </a:xfrm>
         </p:spPr>
         <p:txBody>
           <a:bodyPr>
-            <a:normAutofit/>
+            <a:normAutofit fontScale="92500"/>
           </a:bodyPr>
           <a:lstStyle/>
           <a:p>
@@ -2998,13 +3010,13 @@
               <a:buNone/>
             </a:pPr>
             <a:r>
-              <a:rPr lang="es-CO" sz="4000" dirty="0" smtClean="0">
+              <a:rPr lang="es-CO" sz="6000" dirty="0" smtClean="0">
                 <a:latin typeface="Arial" panose="020B0604020202020204" pitchFamily="34" charset="0"/>
                 <a:cs typeface="Arial" panose="020B0604020202020204" pitchFamily="34" charset="0"/>
               </a:rPr>
               <a:t>PARAMETRIZACIÓN</a:t>
             </a:r>
-            <a:endParaRPr lang="en-US" sz="4000" dirty="0">
+            <a:endParaRPr lang="en-US" sz="6000" dirty="0">
               <a:latin typeface="Arial" panose="020B0604020202020204" pitchFamily="34" charset="0"/>
               <a:cs typeface="Arial" panose="020B0604020202020204" pitchFamily="34" charset="0"/>
             </a:endParaRPr>
@@ -3023,25 +3035,25 @@
         </p:nvSpPr>
         <p:spPr>
           <a:xfrm>
-            <a:off x="1388427" y="4797083"/>
-            <a:ext cx="3577467" cy="846822"/>
+            <a:off x="221524" y="5073129"/>
+            <a:ext cx="5436326" cy="846822"/>
           </a:xfrm>
         </p:spPr>
         <p:txBody>
           <a:bodyPr>
-            <a:normAutofit fontScale="92500"/>
+            <a:noAutofit/>
           </a:bodyPr>
           <a:lstStyle/>
           <a:p>
             <a:pPr algn="ctr"/>
             <a:r>
-              <a:rPr lang="es-CO" sz="3200" dirty="0" smtClean="0">
+              <a:rPr lang="es-CO" sz="4800" dirty="0" smtClean="0">
                 <a:latin typeface="Arial" panose="020B0604020202020204" pitchFamily="34" charset="0"/>
                 <a:cs typeface="Arial" panose="020B0604020202020204" pitchFamily="34" charset="0"/>
               </a:rPr>
               <a:t>CONFIGURACIÓN</a:t>
             </a:r>
-            <a:endParaRPr lang="en-US" sz="3200" dirty="0">
+            <a:endParaRPr lang="en-US" sz="4800" dirty="0">
               <a:latin typeface="Arial" panose="020B0604020202020204" pitchFamily="34" charset="0"/>
               <a:cs typeface="Arial" panose="020B0604020202020204" pitchFamily="34" charset="0"/>
             </a:endParaRPr>
@@ -3070,8 +3082,8 @@
         </p:blipFill>
         <p:spPr>
           <a:xfrm>
-            <a:off x="1768254" y="1406456"/>
-            <a:ext cx="2743513" cy="2743513"/>
+            <a:off x="853856" y="552443"/>
+            <a:ext cx="3269570" cy="3269570"/>
           </a:xfrm>
           <a:prstGeom prst="rect">
             <a:avLst/>
@@ -3082,6 +3094,1031 @@
     <p:extLst>
       <p:ext uri="{BB962C8B-B14F-4D97-AF65-F5344CB8AC3E}">
         <p14:creationId xmlns:p14="http://schemas.microsoft.com/office/powerpoint/2010/main" val="172913476"/>
+      </p:ext>
+    </p:extLst>
+  </p:cSld>
+  <p:clrMapOvr>
+    <a:masterClrMapping/>
+  </p:clrMapOvr>
+</p:sld>
+</file>
+
+<file path=ppt/slides/slide2.xml><?xml version="1.0" encoding="utf-8"?>
+<p:sld xmlns:a="http://schemas.openxmlformats.org/drawingml/2006/main" xmlns:r="http://schemas.openxmlformats.org/officeDocument/2006/relationships" xmlns:p="http://schemas.openxmlformats.org/presentationml/2006/main">
+  <p:cSld>
+    <p:bg>
+      <p:bgPr>
+        <a:solidFill>
+          <a:schemeClr val="accent2">
+            <a:lumMod val="20000"/>
+            <a:lumOff val="80000"/>
+          </a:schemeClr>
+        </a:solidFill>
+        <a:effectLst/>
+      </p:bgPr>
+    </p:bg>
+    <p:spTree>
+      <p:nvGrpSpPr>
+        <p:cNvPr id="1" name=""/>
+        <p:cNvGrpSpPr/>
+        <p:nvPr/>
+      </p:nvGrpSpPr>
+      <p:grpSpPr>
+        <a:xfrm>
+          <a:off x="0" y="0"/>
+          <a:ext cx="0" cy="0"/>
+          <a:chOff x="0" y="0"/>
+          <a:chExt cx="0" cy="0"/>
+        </a:xfrm>
+      </p:grpSpPr>
+      <p:sp>
+        <p:nvSpPr>
+          <p:cNvPr id="5" name="Content Placeholder 4"/>
+          <p:cNvSpPr>
+            <a:spLocks noGrp="1"/>
+          </p:cNvSpPr>
+          <p:nvPr>
+            <p:ph idx="1"/>
+          </p:nvPr>
+        </p:nvSpPr>
+        <p:spPr>
+          <a:xfrm>
+            <a:off x="4364967" y="949569"/>
+            <a:ext cx="7170540" cy="1601126"/>
+          </a:xfrm>
+        </p:spPr>
+        <p:txBody>
+          <a:bodyPr>
+            <a:normAutofit lnSpcReduction="10000"/>
+          </a:bodyPr>
+          <a:lstStyle/>
+          <a:p>
+            <a:pPr marL="0" indent="0" algn="ctr">
+              <a:buNone/>
+            </a:pPr>
+            <a:r>
+              <a:rPr lang="es-CO" sz="6000" dirty="0" smtClean="0">
+                <a:latin typeface="Arial" panose="020B0604020202020204" pitchFamily="34" charset="0"/>
+                <a:cs typeface="Arial" panose="020B0604020202020204" pitchFamily="34" charset="0"/>
+              </a:rPr>
+              <a:t>AHORRO CUOTA MENSUAL</a:t>
+            </a:r>
+            <a:endParaRPr lang="en-US" sz="6000" dirty="0">
+              <a:latin typeface="Arial" panose="020B0604020202020204" pitchFamily="34" charset="0"/>
+              <a:cs typeface="Arial" panose="020B0604020202020204" pitchFamily="34" charset="0"/>
+            </a:endParaRPr>
+          </a:p>
+        </p:txBody>
+      </p:sp>
+      <p:sp>
+        <p:nvSpPr>
+          <p:cNvPr id="6" name="Text Placeholder 5"/>
+          <p:cNvSpPr>
+            <a:spLocks noGrp="1"/>
+          </p:cNvSpPr>
+          <p:nvPr>
+            <p:ph type="body" sz="half" idx="2"/>
+          </p:nvPr>
+        </p:nvSpPr>
+        <p:spPr>
+          <a:xfrm>
+            <a:off x="352928" y="5185424"/>
+            <a:ext cx="3834062" cy="846822"/>
+          </a:xfrm>
+        </p:spPr>
+        <p:txBody>
+          <a:bodyPr>
+            <a:noAutofit/>
+          </a:bodyPr>
+          <a:lstStyle/>
+          <a:p>
+            <a:pPr algn="ctr"/>
+            <a:r>
+              <a:rPr lang="es-CO" sz="4800" dirty="0" smtClean="0">
+                <a:latin typeface="Arial" panose="020B0604020202020204" pitchFamily="34" charset="0"/>
+                <a:cs typeface="Arial" panose="020B0604020202020204" pitchFamily="34" charset="0"/>
+              </a:rPr>
+              <a:t>AHORRO</a:t>
+            </a:r>
+            <a:endParaRPr lang="en-US" sz="4800" dirty="0">
+              <a:latin typeface="Arial" panose="020B0604020202020204" pitchFamily="34" charset="0"/>
+              <a:cs typeface="Arial" panose="020B0604020202020204" pitchFamily="34" charset="0"/>
+            </a:endParaRPr>
+          </a:p>
+        </p:txBody>
+      </p:sp>
+      <p:pic>
+        <p:nvPicPr>
+          <p:cNvPr id="2" name="Imagen 1"/>
+          <p:cNvPicPr>
+            <a:picLocks noChangeAspect="1"/>
+          </p:cNvPicPr>
+          <p:nvPr/>
+        </p:nvPicPr>
+        <p:blipFill>
+          <a:blip r:embed="rId2" cstate="print">
+            <a:extLst>
+              <a:ext uri="{28A0092B-C50C-407E-A947-70E740481C1C}">
+                <a14:useLocalDpi xmlns:a14="http://schemas.microsoft.com/office/drawing/2010/main" val="0"/>
+              </a:ext>
+            </a:extLst>
+          </a:blip>
+          <a:stretch>
+            <a:fillRect/>
+          </a:stretch>
+        </p:blipFill>
+        <p:spPr>
+          <a:xfrm>
+            <a:off x="352927" y="462136"/>
+            <a:ext cx="3834062" cy="3615738"/>
+          </a:xfrm>
+          <a:prstGeom prst="rect">
+            <a:avLst/>
+          </a:prstGeom>
+        </p:spPr>
+      </p:pic>
+    </p:spTree>
+    <p:extLst>
+      <p:ext uri="{BB962C8B-B14F-4D97-AF65-F5344CB8AC3E}">
+        <p14:creationId xmlns:p14="http://schemas.microsoft.com/office/powerpoint/2010/main" val="3276682298"/>
+      </p:ext>
+    </p:extLst>
+  </p:cSld>
+  <p:clrMapOvr>
+    <a:masterClrMapping/>
+  </p:clrMapOvr>
+</p:sld>
+</file>
+
+<file path=ppt/slides/slide3.xml><?xml version="1.0" encoding="utf-8"?>
+<p:sld xmlns:a="http://schemas.openxmlformats.org/drawingml/2006/main" xmlns:r="http://schemas.openxmlformats.org/officeDocument/2006/relationships" xmlns:p="http://schemas.openxmlformats.org/presentationml/2006/main">
+  <p:cSld>
+    <p:bg>
+      <p:bgPr>
+        <a:solidFill>
+          <a:schemeClr val="tx1">
+            <a:lumMod val="50000"/>
+            <a:lumOff val="50000"/>
+          </a:schemeClr>
+        </a:solidFill>
+        <a:effectLst/>
+      </p:bgPr>
+    </p:bg>
+    <p:spTree>
+      <p:nvGrpSpPr>
+        <p:cNvPr id="1" name=""/>
+        <p:cNvGrpSpPr/>
+        <p:nvPr/>
+      </p:nvGrpSpPr>
+      <p:grpSpPr>
+        <a:xfrm>
+          <a:off x="0" y="0"/>
+          <a:ext cx="0" cy="0"/>
+          <a:chOff x="0" y="0"/>
+          <a:chExt cx="0" cy="0"/>
+        </a:xfrm>
+      </p:grpSpPr>
+      <p:sp>
+        <p:nvSpPr>
+          <p:cNvPr id="5" name="Content Placeholder 4"/>
+          <p:cNvSpPr>
+            <a:spLocks noGrp="1"/>
+          </p:cNvSpPr>
+          <p:nvPr>
+            <p:ph idx="1"/>
+          </p:nvPr>
+        </p:nvSpPr>
+        <p:spPr>
+          <a:xfrm>
+            <a:off x="4364967" y="949569"/>
+            <a:ext cx="7170540" cy="1601126"/>
+          </a:xfrm>
+        </p:spPr>
+        <p:txBody>
+          <a:bodyPr>
+            <a:normAutofit lnSpcReduction="10000"/>
+          </a:bodyPr>
+          <a:lstStyle/>
+          <a:p>
+            <a:pPr marL="0" indent="0" algn="ctr">
+              <a:buNone/>
+            </a:pPr>
+            <a:r>
+              <a:rPr lang="es-CO" sz="6000" dirty="0" smtClean="0">
+                <a:latin typeface="Arial" panose="020B0604020202020204" pitchFamily="34" charset="0"/>
+                <a:cs typeface="Arial" panose="020B0604020202020204" pitchFamily="34" charset="0"/>
+              </a:rPr>
+              <a:t>INGRESO DE ASOCIADOS</a:t>
+            </a:r>
+            <a:endParaRPr lang="en-US" sz="6000" dirty="0">
+              <a:latin typeface="Arial" panose="020B0604020202020204" pitchFamily="34" charset="0"/>
+              <a:cs typeface="Arial" panose="020B0604020202020204" pitchFamily="34" charset="0"/>
+            </a:endParaRPr>
+          </a:p>
+        </p:txBody>
+      </p:sp>
+      <p:sp>
+        <p:nvSpPr>
+          <p:cNvPr id="6" name="Text Placeholder 5"/>
+          <p:cNvSpPr>
+            <a:spLocks noGrp="1"/>
+          </p:cNvSpPr>
+          <p:nvPr>
+            <p:ph type="body" sz="half" idx="2"/>
+          </p:nvPr>
+        </p:nvSpPr>
+        <p:spPr>
+          <a:xfrm>
+            <a:off x="352927" y="5185424"/>
+            <a:ext cx="4012040" cy="846822"/>
+          </a:xfrm>
+        </p:spPr>
+        <p:txBody>
+          <a:bodyPr>
+            <a:noAutofit/>
+          </a:bodyPr>
+          <a:lstStyle/>
+          <a:p>
+            <a:pPr algn="ctr"/>
+            <a:r>
+              <a:rPr lang="es-CO" sz="4800" dirty="0" smtClean="0">
+                <a:latin typeface="Arial" panose="020B0604020202020204" pitchFamily="34" charset="0"/>
+                <a:cs typeface="Arial" panose="020B0604020202020204" pitchFamily="34" charset="0"/>
+              </a:rPr>
+              <a:t>ASOCIADOS</a:t>
+            </a:r>
+            <a:endParaRPr lang="en-US" sz="4800" dirty="0">
+              <a:latin typeface="Arial" panose="020B0604020202020204" pitchFamily="34" charset="0"/>
+              <a:cs typeface="Arial" panose="020B0604020202020204" pitchFamily="34" charset="0"/>
+            </a:endParaRPr>
+          </a:p>
+        </p:txBody>
+      </p:sp>
+      <p:pic>
+        <p:nvPicPr>
+          <p:cNvPr id="3" name="Imagen 2"/>
+          <p:cNvPicPr>
+            <a:picLocks noChangeAspect="1"/>
+          </p:cNvPicPr>
+          <p:nvPr/>
+        </p:nvPicPr>
+        <p:blipFill>
+          <a:blip r:embed="rId2" cstate="print">
+            <a:extLst>
+              <a:ext uri="{28A0092B-C50C-407E-A947-70E740481C1C}">
+                <a14:useLocalDpi xmlns:a14="http://schemas.microsoft.com/office/drawing/2010/main" val="0"/>
+              </a:ext>
+            </a:extLst>
+          </a:blip>
+          <a:stretch>
+            <a:fillRect/>
+          </a:stretch>
+        </p:blipFill>
+        <p:spPr>
+          <a:xfrm>
+            <a:off x="411532" y="573977"/>
+            <a:ext cx="3953435" cy="3953435"/>
+          </a:xfrm>
+          <a:prstGeom prst="rect">
+            <a:avLst/>
+          </a:prstGeom>
+        </p:spPr>
+      </p:pic>
+    </p:spTree>
+    <p:extLst>
+      <p:ext uri="{BB962C8B-B14F-4D97-AF65-F5344CB8AC3E}">
+        <p14:creationId xmlns:p14="http://schemas.microsoft.com/office/powerpoint/2010/main" val="2425662398"/>
+      </p:ext>
+    </p:extLst>
+  </p:cSld>
+  <p:clrMapOvr>
+    <a:masterClrMapping/>
+  </p:clrMapOvr>
+</p:sld>
+</file>
+
+<file path=ppt/slides/slide4.xml><?xml version="1.0" encoding="utf-8"?>
+<p:sld xmlns:a="http://schemas.openxmlformats.org/drawingml/2006/main" xmlns:r="http://schemas.openxmlformats.org/officeDocument/2006/relationships" xmlns:p="http://schemas.openxmlformats.org/presentationml/2006/main">
+  <p:cSld>
+    <p:bg>
+      <p:bgPr>
+        <a:solidFill>
+          <a:schemeClr val="accent4">
+            <a:lumMod val="40000"/>
+            <a:lumOff val="60000"/>
+          </a:schemeClr>
+        </a:solidFill>
+        <a:effectLst/>
+      </p:bgPr>
+    </p:bg>
+    <p:spTree>
+      <p:nvGrpSpPr>
+        <p:cNvPr id="1" name=""/>
+        <p:cNvGrpSpPr/>
+        <p:nvPr/>
+      </p:nvGrpSpPr>
+      <p:grpSpPr>
+        <a:xfrm>
+          <a:off x="0" y="0"/>
+          <a:ext cx="0" cy="0"/>
+          <a:chOff x="0" y="0"/>
+          <a:chExt cx="0" cy="0"/>
+        </a:xfrm>
+      </p:grpSpPr>
+      <p:sp>
+        <p:nvSpPr>
+          <p:cNvPr id="5" name="Content Placeholder 4"/>
+          <p:cNvSpPr>
+            <a:spLocks noGrp="1"/>
+          </p:cNvSpPr>
+          <p:nvPr>
+            <p:ph idx="1"/>
+          </p:nvPr>
+        </p:nvSpPr>
+        <p:spPr>
+          <a:xfrm>
+            <a:off x="4472543" y="1433663"/>
+            <a:ext cx="7170540" cy="1601126"/>
+          </a:xfrm>
+        </p:spPr>
+        <p:txBody>
+          <a:bodyPr>
+            <a:normAutofit/>
+          </a:bodyPr>
+          <a:lstStyle/>
+          <a:p>
+            <a:pPr marL="0" indent="0" algn="ctr">
+              <a:buNone/>
+            </a:pPr>
+            <a:r>
+              <a:rPr lang="es-CO" sz="6000" dirty="0" smtClean="0">
+                <a:latin typeface="Arial" panose="020B0604020202020204" pitchFamily="34" charset="0"/>
+                <a:cs typeface="Arial" panose="020B0604020202020204" pitchFamily="34" charset="0"/>
+              </a:rPr>
+              <a:t>CAMBIAR CLAVE</a:t>
+            </a:r>
+            <a:endParaRPr lang="en-US" sz="6000" dirty="0">
+              <a:latin typeface="Arial" panose="020B0604020202020204" pitchFamily="34" charset="0"/>
+              <a:cs typeface="Arial" panose="020B0604020202020204" pitchFamily="34" charset="0"/>
+            </a:endParaRPr>
+          </a:p>
+        </p:txBody>
+      </p:sp>
+      <p:sp>
+        <p:nvSpPr>
+          <p:cNvPr id="6" name="Text Placeholder 5"/>
+          <p:cNvSpPr>
+            <a:spLocks noGrp="1"/>
+          </p:cNvSpPr>
+          <p:nvPr>
+            <p:ph type="body" sz="half" idx="2"/>
+          </p:nvPr>
+        </p:nvSpPr>
+        <p:spPr>
+          <a:xfrm>
+            <a:off x="352927" y="5185424"/>
+            <a:ext cx="4353544" cy="846822"/>
+          </a:xfrm>
+        </p:spPr>
+        <p:txBody>
+          <a:bodyPr>
+            <a:noAutofit/>
+          </a:bodyPr>
+          <a:lstStyle/>
+          <a:p>
+            <a:pPr algn="ctr"/>
+            <a:r>
+              <a:rPr lang="es-CO" sz="4800" dirty="0" smtClean="0">
+                <a:latin typeface="Arial" panose="020B0604020202020204" pitchFamily="34" charset="0"/>
+                <a:cs typeface="Arial" panose="020B0604020202020204" pitchFamily="34" charset="0"/>
+              </a:rPr>
+              <a:t>SEGURIDAD</a:t>
+            </a:r>
+            <a:endParaRPr lang="en-US" sz="4800" dirty="0">
+              <a:latin typeface="Arial" panose="020B0604020202020204" pitchFamily="34" charset="0"/>
+              <a:cs typeface="Arial" panose="020B0604020202020204" pitchFamily="34" charset="0"/>
+            </a:endParaRPr>
+          </a:p>
+        </p:txBody>
+      </p:sp>
+      <p:pic>
+        <p:nvPicPr>
+          <p:cNvPr id="2" name="Imagen 1"/>
+          <p:cNvPicPr>
+            <a:picLocks noChangeAspect="1"/>
+          </p:cNvPicPr>
+          <p:nvPr/>
+        </p:nvPicPr>
+        <p:blipFill>
+          <a:blip r:embed="rId2">
+            <a:extLst>
+              <a:ext uri="{28A0092B-C50C-407E-A947-70E740481C1C}">
+                <a14:useLocalDpi xmlns:a14="http://schemas.microsoft.com/office/drawing/2010/main" val="0"/>
+              </a:ext>
+            </a:extLst>
+          </a:blip>
+          <a:stretch>
+            <a:fillRect/>
+          </a:stretch>
+        </p:blipFill>
+        <p:spPr>
+          <a:xfrm>
+            <a:off x="898429" y="817426"/>
+            <a:ext cx="3808042" cy="3808042"/>
+          </a:xfrm>
+          <a:prstGeom prst="rect">
+            <a:avLst/>
+          </a:prstGeom>
+        </p:spPr>
+      </p:pic>
+    </p:spTree>
+    <p:extLst>
+      <p:ext uri="{BB962C8B-B14F-4D97-AF65-F5344CB8AC3E}">
+        <p14:creationId xmlns:p14="http://schemas.microsoft.com/office/powerpoint/2010/main" val="390916486"/>
+      </p:ext>
+    </p:extLst>
+  </p:cSld>
+  <p:clrMapOvr>
+    <a:masterClrMapping/>
+  </p:clrMapOvr>
+</p:sld>
+</file>
+
+<file path=ppt/slides/slide5.xml><?xml version="1.0" encoding="utf-8"?>
+<p:sld xmlns:a="http://schemas.openxmlformats.org/drawingml/2006/main" xmlns:r="http://schemas.openxmlformats.org/officeDocument/2006/relationships" xmlns:p="http://schemas.openxmlformats.org/presentationml/2006/main">
+  <p:cSld>
+    <p:bg>
+      <p:bgPr>
+        <a:solidFill>
+          <a:srgbClr val="666633"/>
+        </a:solidFill>
+        <a:effectLst/>
+      </p:bgPr>
+    </p:bg>
+    <p:spTree>
+      <p:nvGrpSpPr>
+        <p:cNvPr id="1" name=""/>
+        <p:cNvGrpSpPr/>
+        <p:nvPr/>
+      </p:nvGrpSpPr>
+      <p:grpSpPr>
+        <a:xfrm>
+          <a:off x="0" y="0"/>
+          <a:ext cx="0" cy="0"/>
+          <a:chOff x="0" y="0"/>
+          <a:chExt cx="0" cy="0"/>
+        </a:xfrm>
+      </p:grpSpPr>
+      <p:sp>
+        <p:nvSpPr>
+          <p:cNvPr id="5" name="Content Placeholder 4"/>
+          <p:cNvSpPr>
+            <a:spLocks noGrp="1"/>
+          </p:cNvSpPr>
+          <p:nvPr>
+            <p:ph idx="1"/>
+          </p:nvPr>
+        </p:nvSpPr>
+        <p:spPr>
+          <a:xfrm>
+            <a:off x="4472543" y="1433663"/>
+            <a:ext cx="7170540" cy="1601126"/>
+          </a:xfrm>
+        </p:spPr>
+        <p:txBody>
+          <a:bodyPr>
+            <a:normAutofit lnSpcReduction="10000"/>
+          </a:bodyPr>
+          <a:lstStyle/>
+          <a:p>
+            <a:pPr marL="0" indent="0" algn="ctr">
+              <a:buNone/>
+            </a:pPr>
+            <a:r>
+              <a:rPr lang="es-CO" sz="6000" dirty="0" smtClean="0">
+                <a:latin typeface="Arial" panose="020B0604020202020204" pitchFamily="34" charset="0"/>
+                <a:cs typeface="Arial" panose="020B0604020202020204" pitchFamily="34" charset="0"/>
+              </a:rPr>
+              <a:t>CONSULTAR USUARIOS</a:t>
+            </a:r>
+            <a:endParaRPr lang="en-US" sz="6000" dirty="0">
+              <a:latin typeface="Arial" panose="020B0604020202020204" pitchFamily="34" charset="0"/>
+              <a:cs typeface="Arial" panose="020B0604020202020204" pitchFamily="34" charset="0"/>
+            </a:endParaRPr>
+          </a:p>
+        </p:txBody>
+      </p:sp>
+      <p:sp>
+        <p:nvSpPr>
+          <p:cNvPr id="6" name="Text Placeholder 5"/>
+          <p:cNvSpPr>
+            <a:spLocks noGrp="1"/>
+          </p:cNvSpPr>
+          <p:nvPr>
+            <p:ph type="body" sz="half" idx="2"/>
+          </p:nvPr>
+        </p:nvSpPr>
+        <p:spPr>
+          <a:xfrm>
+            <a:off x="352927" y="5185424"/>
+            <a:ext cx="4119616" cy="846822"/>
+          </a:xfrm>
+        </p:spPr>
+        <p:txBody>
+          <a:bodyPr>
+            <a:noAutofit/>
+          </a:bodyPr>
+          <a:lstStyle/>
+          <a:p>
+            <a:pPr algn="ctr"/>
+            <a:r>
+              <a:rPr lang="es-CO" sz="4800" dirty="0" smtClean="0">
+                <a:latin typeface="Arial" panose="020B0604020202020204" pitchFamily="34" charset="0"/>
+                <a:cs typeface="Arial" panose="020B0604020202020204" pitchFamily="34" charset="0"/>
+              </a:rPr>
+              <a:t>CONSULTAR</a:t>
+            </a:r>
+            <a:endParaRPr lang="en-US" sz="4800" dirty="0">
+              <a:latin typeface="Arial" panose="020B0604020202020204" pitchFamily="34" charset="0"/>
+              <a:cs typeface="Arial" panose="020B0604020202020204" pitchFamily="34" charset="0"/>
+            </a:endParaRPr>
+          </a:p>
+        </p:txBody>
+      </p:sp>
+      <p:pic>
+        <p:nvPicPr>
+          <p:cNvPr id="3" name="Imagen 2"/>
+          <p:cNvPicPr>
+            <a:picLocks noChangeAspect="1"/>
+          </p:cNvPicPr>
+          <p:nvPr/>
+        </p:nvPicPr>
+        <p:blipFill>
+          <a:blip r:embed="rId2">
+            <a:extLst>
+              <a:ext uri="{28A0092B-C50C-407E-A947-70E740481C1C}">
+                <a14:useLocalDpi xmlns:a14="http://schemas.microsoft.com/office/drawing/2010/main" val="0"/>
+              </a:ext>
+            </a:extLst>
+          </a:blip>
+          <a:stretch>
+            <a:fillRect/>
+          </a:stretch>
+        </p:blipFill>
+        <p:spPr>
+          <a:xfrm>
+            <a:off x="399964" y="551686"/>
+            <a:ext cx="3284530" cy="4105663"/>
+          </a:xfrm>
+          <a:prstGeom prst="rect">
+            <a:avLst/>
+          </a:prstGeom>
+        </p:spPr>
+      </p:pic>
+    </p:spTree>
+    <p:extLst>
+      <p:ext uri="{BB962C8B-B14F-4D97-AF65-F5344CB8AC3E}">
+        <p14:creationId xmlns:p14="http://schemas.microsoft.com/office/powerpoint/2010/main" val="1955572779"/>
+      </p:ext>
+    </p:extLst>
+  </p:cSld>
+  <p:clrMapOvr>
+    <a:masterClrMapping/>
+  </p:clrMapOvr>
+</p:sld>
+</file>
+
+<file path=ppt/slides/slide6.xml><?xml version="1.0" encoding="utf-8"?>
+<p:sld xmlns:a="http://schemas.openxmlformats.org/drawingml/2006/main" xmlns:r="http://schemas.openxmlformats.org/officeDocument/2006/relationships" xmlns:p="http://schemas.openxmlformats.org/presentationml/2006/main">
+  <p:cSld>
+    <p:bg>
+      <p:bgPr>
+        <a:solidFill>
+          <a:schemeClr val="bg2">
+            <a:lumMod val="75000"/>
+          </a:schemeClr>
+        </a:solidFill>
+        <a:effectLst/>
+      </p:bgPr>
+    </p:bg>
+    <p:spTree>
+      <p:nvGrpSpPr>
+        <p:cNvPr id="1" name=""/>
+        <p:cNvGrpSpPr/>
+        <p:nvPr/>
+      </p:nvGrpSpPr>
+      <p:grpSpPr>
+        <a:xfrm>
+          <a:off x="0" y="0"/>
+          <a:ext cx="0" cy="0"/>
+          <a:chOff x="0" y="0"/>
+          <a:chExt cx="0" cy="0"/>
+        </a:xfrm>
+      </p:grpSpPr>
+      <p:sp>
+        <p:nvSpPr>
+          <p:cNvPr id="5" name="Content Placeholder 4"/>
+          <p:cNvSpPr>
+            <a:spLocks noGrp="1"/>
+          </p:cNvSpPr>
+          <p:nvPr>
+            <p:ph idx="1"/>
+          </p:nvPr>
+        </p:nvSpPr>
+        <p:spPr>
+          <a:xfrm>
+            <a:off x="4472543" y="1433663"/>
+            <a:ext cx="7170540" cy="1601126"/>
+          </a:xfrm>
+        </p:spPr>
+        <p:txBody>
+          <a:bodyPr>
+            <a:normAutofit lnSpcReduction="10000"/>
+          </a:bodyPr>
+          <a:lstStyle/>
+          <a:p>
+            <a:pPr marL="0" indent="0" algn="ctr">
+              <a:buNone/>
+            </a:pPr>
+            <a:r>
+              <a:rPr lang="es-CO" sz="6000" dirty="0" smtClean="0">
+                <a:latin typeface="Arial" panose="020B0604020202020204" pitchFamily="34" charset="0"/>
+                <a:cs typeface="Arial" panose="020B0604020202020204" pitchFamily="34" charset="0"/>
+              </a:rPr>
+              <a:t>INDICADORES FINANCIEROS</a:t>
+            </a:r>
+            <a:endParaRPr lang="en-US" sz="6000" dirty="0">
+              <a:latin typeface="Arial" panose="020B0604020202020204" pitchFamily="34" charset="0"/>
+              <a:cs typeface="Arial" panose="020B0604020202020204" pitchFamily="34" charset="0"/>
+            </a:endParaRPr>
+          </a:p>
+        </p:txBody>
+      </p:sp>
+      <p:sp>
+        <p:nvSpPr>
+          <p:cNvPr id="6" name="Text Placeholder 5"/>
+          <p:cNvSpPr>
+            <a:spLocks noGrp="1"/>
+          </p:cNvSpPr>
+          <p:nvPr>
+            <p:ph type="body" sz="half" idx="2"/>
+          </p:nvPr>
+        </p:nvSpPr>
+        <p:spPr>
+          <a:xfrm>
+            <a:off x="352927" y="5185424"/>
+            <a:ext cx="4783848" cy="846822"/>
+          </a:xfrm>
+        </p:spPr>
+        <p:txBody>
+          <a:bodyPr>
+            <a:noAutofit/>
+          </a:bodyPr>
+          <a:lstStyle/>
+          <a:p>
+            <a:pPr algn="ctr"/>
+            <a:r>
+              <a:rPr lang="es-CO" sz="4800" dirty="0" smtClean="0">
+                <a:latin typeface="Arial" panose="020B0604020202020204" pitchFamily="34" charset="0"/>
+                <a:cs typeface="Arial" panose="020B0604020202020204" pitchFamily="34" charset="0"/>
+              </a:rPr>
+              <a:t>INDICADORES</a:t>
+            </a:r>
+            <a:endParaRPr lang="en-US" sz="4800" dirty="0">
+              <a:latin typeface="Arial" panose="020B0604020202020204" pitchFamily="34" charset="0"/>
+              <a:cs typeface="Arial" panose="020B0604020202020204" pitchFamily="34" charset="0"/>
+            </a:endParaRPr>
+          </a:p>
+        </p:txBody>
+      </p:sp>
+      <p:pic>
+        <p:nvPicPr>
+          <p:cNvPr id="2" name="Imagen 1"/>
+          <p:cNvPicPr>
+            <a:picLocks noChangeAspect="1"/>
+          </p:cNvPicPr>
+          <p:nvPr/>
+        </p:nvPicPr>
+        <p:blipFill>
+          <a:blip r:embed="rId2">
+            <a:extLst>
+              <a:ext uri="{28A0092B-C50C-407E-A947-70E740481C1C}">
+                <a14:useLocalDpi xmlns:a14="http://schemas.microsoft.com/office/drawing/2010/main" val="0"/>
+              </a:ext>
+            </a:extLst>
+          </a:blip>
+          <a:stretch>
+            <a:fillRect/>
+          </a:stretch>
+        </p:blipFill>
+        <p:spPr>
+          <a:xfrm>
+            <a:off x="213844" y="781383"/>
+            <a:ext cx="4922931" cy="3076832"/>
+          </a:xfrm>
+          <a:prstGeom prst="rect">
+            <a:avLst/>
+          </a:prstGeom>
+        </p:spPr>
+      </p:pic>
+    </p:spTree>
+    <p:extLst>
+      <p:ext uri="{BB962C8B-B14F-4D97-AF65-F5344CB8AC3E}">
+        <p14:creationId xmlns:p14="http://schemas.microsoft.com/office/powerpoint/2010/main" val="2756864848"/>
+      </p:ext>
+    </p:extLst>
+  </p:cSld>
+  <p:clrMapOvr>
+    <a:masterClrMapping/>
+  </p:clrMapOvr>
+</p:sld>
+</file>
+
+<file path=ppt/slides/slide7.xml><?xml version="1.0" encoding="utf-8"?>
+<p:sld xmlns:a="http://schemas.openxmlformats.org/drawingml/2006/main" xmlns:r="http://schemas.openxmlformats.org/officeDocument/2006/relationships" xmlns:p="http://schemas.openxmlformats.org/presentationml/2006/main">
+  <p:cSld>
+    <p:bg>
+      <p:bgPr>
+        <a:solidFill>
+          <a:schemeClr val="accent6">
+            <a:lumMod val="40000"/>
+            <a:lumOff val="60000"/>
+          </a:schemeClr>
+        </a:solidFill>
+        <a:effectLst/>
+      </p:bgPr>
+    </p:bg>
+    <p:spTree>
+      <p:nvGrpSpPr>
+        <p:cNvPr id="1" name=""/>
+        <p:cNvGrpSpPr/>
+        <p:nvPr/>
+      </p:nvGrpSpPr>
+      <p:grpSpPr>
+        <a:xfrm>
+          <a:off x="0" y="0"/>
+          <a:ext cx="0" cy="0"/>
+          <a:chOff x="0" y="0"/>
+          <a:chExt cx="0" cy="0"/>
+        </a:xfrm>
+      </p:grpSpPr>
+      <p:sp>
+        <p:nvSpPr>
+          <p:cNvPr id="5" name="Content Placeholder 4"/>
+          <p:cNvSpPr>
+            <a:spLocks noGrp="1"/>
+          </p:cNvSpPr>
+          <p:nvPr>
+            <p:ph idx="1"/>
+          </p:nvPr>
+        </p:nvSpPr>
+        <p:spPr>
+          <a:xfrm>
+            <a:off x="4472543" y="1433663"/>
+            <a:ext cx="7170540" cy="1601126"/>
+          </a:xfrm>
+        </p:spPr>
+        <p:txBody>
+          <a:bodyPr>
+            <a:normAutofit lnSpcReduction="10000"/>
+          </a:bodyPr>
+          <a:lstStyle/>
+          <a:p>
+            <a:pPr marL="0" indent="0" algn="ctr">
+              <a:buNone/>
+            </a:pPr>
+            <a:r>
+              <a:rPr lang="es-CO" sz="6000" dirty="0" smtClean="0">
+                <a:latin typeface="Arial" panose="020B0604020202020204" pitchFamily="34" charset="0"/>
+                <a:cs typeface="Arial" panose="020B0604020202020204" pitchFamily="34" charset="0"/>
+              </a:rPr>
+              <a:t>REPORTES FINANCIEROS</a:t>
+            </a:r>
+            <a:endParaRPr lang="en-US" sz="6000" dirty="0">
+              <a:latin typeface="Arial" panose="020B0604020202020204" pitchFamily="34" charset="0"/>
+              <a:cs typeface="Arial" panose="020B0604020202020204" pitchFamily="34" charset="0"/>
+            </a:endParaRPr>
+          </a:p>
+        </p:txBody>
+      </p:sp>
+      <p:sp>
+        <p:nvSpPr>
+          <p:cNvPr id="6" name="Text Placeholder 5"/>
+          <p:cNvSpPr>
+            <a:spLocks noGrp="1"/>
+          </p:cNvSpPr>
+          <p:nvPr>
+            <p:ph type="body" sz="half" idx="2"/>
+          </p:nvPr>
+        </p:nvSpPr>
+        <p:spPr>
+          <a:xfrm>
+            <a:off x="352927" y="5185424"/>
+            <a:ext cx="4119616" cy="846822"/>
+          </a:xfrm>
+        </p:spPr>
+        <p:txBody>
+          <a:bodyPr>
+            <a:noAutofit/>
+          </a:bodyPr>
+          <a:lstStyle/>
+          <a:p>
+            <a:pPr algn="ctr"/>
+            <a:r>
+              <a:rPr lang="es-CO" sz="4800" dirty="0" smtClean="0">
+                <a:latin typeface="Arial" panose="020B0604020202020204" pitchFamily="34" charset="0"/>
+                <a:cs typeface="Arial" panose="020B0604020202020204" pitchFamily="34" charset="0"/>
+              </a:rPr>
+              <a:t>REPORTES</a:t>
+            </a:r>
+            <a:endParaRPr lang="en-US" sz="4800" dirty="0">
+              <a:latin typeface="Arial" panose="020B0604020202020204" pitchFamily="34" charset="0"/>
+              <a:cs typeface="Arial" panose="020B0604020202020204" pitchFamily="34" charset="0"/>
+            </a:endParaRPr>
+          </a:p>
+        </p:txBody>
+      </p:sp>
+      <p:pic>
+        <p:nvPicPr>
+          <p:cNvPr id="2" name="Imagen 1"/>
+          <p:cNvPicPr>
+            <a:picLocks noChangeAspect="1"/>
+          </p:cNvPicPr>
+          <p:nvPr/>
+        </p:nvPicPr>
+        <p:blipFill>
+          <a:blip r:embed="rId2">
+            <a:extLst>
+              <a:ext uri="{28A0092B-C50C-407E-A947-70E740481C1C}">
+                <a14:useLocalDpi xmlns:a14="http://schemas.microsoft.com/office/drawing/2010/main" val="0"/>
+              </a:ext>
+            </a:extLst>
+          </a:blip>
+          <a:stretch>
+            <a:fillRect/>
+          </a:stretch>
+        </p:blipFill>
+        <p:spPr>
+          <a:xfrm>
+            <a:off x="653627" y="596389"/>
+            <a:ext cx="3818916" cy="3818916"/>
+          </a:xfrm>
+          <a:prstGeom prst="rect">
+            <a:avLst/>
+          </a:prstGeom>
+        </p:spPr>
+      </p:pic>
+    </p:spTree>
+    <p:extLst>
+      <p:ext uri="{BB962C8B-B14F-4D97-AF65-F5344CB8AC3E}">
+        <p14:creationId xmlns:p14="http://schemas.microsoft.com/office/powerpoint/2010/main" val="4039374561"/>
+      </p:ext>
+    </p:extLst>
+  </p:cSld>
+  <p:clrMapOvr>
+    <a:masterClrMapping/>
+  </p:clrMapOvr>
+</p:sld>
+</file>
+
+<file path=ppt/slides/slide8.xml><?xml version="1.0" encoding="utf-8"?>
+<p:sld xmlns:a="http://schemas.openxmlformats.org/drawingml/2006/main" xmlns:r="http://schemas.openxmlformats.org/officeDocument/2006/relationships" xmlns:p="http://schemas.openxmlformats.org/presentationml/2006/main">
+  <p:cSld>
+    <p:bg>
+      <p:bgPr>
+        <a:solidFill>
+          <a:schemeClr val="accent1">
+            <a:lumMod val="40000"/>
+            <a:lumOff val="60000"/>
+          </a:schemeClr>
+        </a:solidFill>
+        <a:effectLst/>
+      </p:bgPr>
+    </p:bg>
+    <p:spTree>
+      <p:nvGrpSpPr>
+        <p:cNvPr id="1" name=""/>
+        <p:cNvGrpSpPr/>
+        <p:nvPr/>
+      </p:nvGrpSpPr>
+      <p:grpSpPr>
+        <a:xfrm>
+          <a:off x="0" y="0"/>
+          <a:ext cx="0" cy="0"/>
+          <a:chOff x="0" y="0"/>
+          <a:chExt cx="0" cy="0"/>
+        </a:xfrm>
+      </p:grpSpPr>
+      <p:sp>
+        <p:nvSpPr>
+          <p:cNvPr id="5" name="Content Placeholder 4"/>
+          <p:cNvSpPr>
+            <a:spLocks noGrp="1"/>
+          </p:cNvSpPr>
+          <p:nvPr>
+            <p:ph idx="1"/>
+          </p:nvPr>
+        </p:nvSpPr>
+        <p:spPr>
+          <a:xfrm>
+            <a:off x="4472543" y="1433663"/>
+            <a:ext cx="7170540" cy="1601126"/>
+          </a:xfrm>
+        </p:spPr>
+        <p:txBody>
+          <a:bodyPr>
+            <a:normAutofit lnSpcReduction="10000"/>
+          </a:bodyPr>
+          <a:lstStyle/>
+          <a:p>
+            <a:pPr marL="0" indent="0" algn="ctr">
+              <a:buNone/>
+            </a:pPr>
+            <a:r>
+              <a:rPr lang="es-CO" sz="6000" dirty="0" smtClean="0">
+                <a:latin typeface="Arial" panose="020B0604020202020204" pitchFamily="34" charset="0"/>
+                <a:cs typeface="Arial" panose="020B0604020202020204" pitchFamily="34" charset="0"/>
+              </a:rPr>
+              <a:t>SOLICITUD DE CRÉDITO</a:t>
+            </a:r>
+            <a:endParaRPr lang="en-US" sz="6000" dirty="0">
+              <a:latin typeface="Arial" panose="020B0604020202020204" pitchFamily="34" charset="0"/>
+              <a:cs typeface="Arial" panose="020B0604020202020204" pitchFamily="34" charset="0"/>
+            </a:endParaRPr>
+          </a:p>
+        </p:txBody>
+      </p:sp>
+      <p:sp>
+        <p:nvSpPr>
+          <p:cNvPr id="6" name="Text Placeholder 5"/>
+          <p:cNvSpPr>
+            <a:spLocks noGrp="1"/>
+          </p:cNvSpPr>
+          <p:nvPr>
+            <p:ph type="body" sz="half" idx="2"/>
+          </p:nvPr>
+        </p:nvSpPr>
+        <p:spPr>
+          <a:xfrm>
+            <a:off x="352927" y="5185424"/>
+            <a:ext cx="4353544" cy="846822"/>
+          </a:xfrm>
+        </p:spPr>
+        <p:txBody>
+          <a:bodyPr>
+            <a:noAutofit/>
+          </a:bodyPr>
+          <a:lstStyle/>
+          <a:p>
+            <a:pPr algn="ctr"/>
+            <a:r>
+              <a:rPr lang="es-CO" sz="4800" dirty="0" smtClean="0">
+                <a:latin typeface="Arial" panose="020B0604020202020204" pitchFamily="34" charset="0"/>
+                <a:cs typeface="Arial" panose="020B0604020202020204" pitchFamily="34" charset="0"/>
+              </a:rPr>
+              <a:t>SOLICITUD</a:t>
+            </a:r>
+            <a:endParaRPr lang="en-US" sz="4800" dirty="0">
+              <a:latin typeface="Arial" panose="020B0604020202020204" pitchFamily="34" charset="0"/>
+              <a:cs typeface="Arial" panose="020B0604020202020204" pitchFamily="34" charset="0"/>
+            </a:endParaRPr>
+          </a:p>
+        </p:txBody>
+      </p:sp>
+      <p:pic>
+        <p:nvPicPr>
+          <p:cNvPr id="3" name="Imagen 2"/>
+          <p:cNvPicPr>
+            <a:picLocks noChangeAspect="1"/>
+          </p:cNvPicPr>
+          <p:nvPr/>
+        </p:nvPicPr>
+        <p:blipFill>
+          <a:blip r:embed="rId2">
+            <a:extLst>
+              <a:ext uri="{28A0092B-C50C-407E-A947-70E740481C1C}">
+                <a14:useLocalDpi xmlns:a14="http://schemas.microsoft.com/office/drawing/2010/main" val="0"/>
+              </a:ext>
+            </a:extLst>
+          </a:blip>
+          <a:stretch>
+            <a:fillRect/>
+          </a:stretch>
+        </p:blipFill>
+        <p:spPr>
+          <a:xfrm>
+            <a:off x="715716" y="521352"/>
+            <a:ext cx="3990755" cy="4047970"/>
+          </a:xfrm>
+          <a:prstGeom prst="rect">
+            <a:avLst/>
+          </a:prstGeom>
+        </p:spPr>
+      </p:pic>
+    </p:spTree>
+    <p:extLst>
+      <p:ext uri="{BB962C8B-B14F-4D97-AF65-F5344CB8AC3E}">
+        <p14:creationId xmlns:p14="http://schemas.microsoft.com/office/powerpoint/2010/main" val="3383162177"/>
       </p:ext>
     </p:extLst>
   </p:cSld>

--- a/Documentacion/GeneradorOpciones.pptx
+++ b/Documentacion/GeneradorOpciones.pptx
@@ -13,6 +13,7 @@
     <p:sldId id="262" r:id="rId7"/>
     <p:sldId id="263" r:id="rId8"/>
     <p:sldId id="264" r:id="rId9"/>
+    <p:sldId id="265" r:id="rId10"/>
   </p:sldIdLst>
   <p:sldSz cx="12192000" cy="6858000"/>
   <p:notesSz cx="6858000" cy="9144000"/>
@@ -250,7 +251,7 @@
           <a:p>
             <a:fld id="{E5B10194-B428-4D68-B749-C4A17A9BBD1F}" type="datetimeFigureOut">
               <a:rPr lang="en-US" smtClean="0"/>
-              <a:t>5/25/2019</a:t>
+              <a:t>4/15/2020</a:t>
             </a:fld>
             <a:endParaRPr lang="en-US"/>
           </a:p>
@@ -420,7 +421,7 @@
           <a:p>
             <a:fld id="{E5B10194-B428-4D68-B749-C4A17A9BBD1F}" type="datetimeFigureOut">
               <a:rPr lang="en-US" smtClean="0"/>
-              <a:t>5/25/2019</a:t>
+              <a:t>4/15/2020</a:t>
             </a:fld>
             <a:endParaRPr lang="en-US"/>
           </a:p>
@@ -600,7 +601,7 @@
           <a:p>
             <a:fld id="{E5B10194-B428-4D68-B749-C4A17A9BBD1F}" type="datetimeFigureOut">
               <a:rPr lang="en-US" smtClean="0"/>
-              <a:t>5/25/2019</a:t>
+              <a:t>4/15/2020</a:t>
             </a:fld>
             <a:endParaRPr lang="en-US"/>
           </a:p>
@@ -770,7 +771,7 @@
           <a:p>
             <a:fld id="{E5B10194-B428-4D68-B749-C4A17A9BBD1F}" type="datetimeFigureOut">
               <a:rPr lang="en-US" smtClean="0"/>
-              <a:t>5/25/2019</a:t>
+              <a:t>4/15/2020</a:t>
             </a:fld>
             <a:endParaRPr lang="en-US"/>
           </a:p>
@@ -1016,7 +1017,7 @@
           <a:p>
             <a:fld id="{E5B10194-B428-4D68-B749-C4A17A9BBD1F}" type="datetimeFigureOut">
               <a:rPr lang="en-US" smtClean="0"/>
-              <a:t>5/25/2019</a:t>
+              <a:t>4/15/2020</a:t>
             </a:fld>
             <a:endParaRPr lang="en-US"/>
           </a:p>
@@ -1248,7 +1249,7 @@
           <a:p>
             <a:fld id="{E5B10194-B428-4D68-B749-C4A17A9BBD1F}" type="datetimeFigureOut">
               <a:rPr lang="en-US" smtClean="0"/>
-              <a:t>5/25/2019</a:t>
+              <a:t>4/15/2020</a:t>
             </a:fld>
             <a:endParaRPr lang="en-US"/>
           </a:p>
@@ -1615,7 +1616,7 @@
           <a:p>
             <a:fld id="{E5B10194-B428-4D68-B749-C4A17A9BBD1F}" type="datetimeFigureOut">
               <a:rPr lang="en-US" smtClean="0"/>
-              <a:t>5/25/2019</a:t>
+              <a:t>4/15/2020</a:t>
             </a:fld>
             <a:endParaRPr lang="en-US"/>
           </a:p>
@@ -1733,7 +1734,7 @@
           <a:p>
             <a:fld id="{E5B10194-B428-4D68-B749-C4A17A9BBD1F}" type="datetimeFigureOut">
               <a:rPr lang="en-US" smtClean="0"/>
-              <a:t>5/25/2019</a:t>
+              <a:t>4/15/2020</a:t>
             </a:fld>
             <a:endParaRPr lang="en-US"/>
           </a:p>
@@ -1828,7 +1829,7 @@
           <a:p>
             <a:fld id="{E5B10194-B428-4D68-B749-C4A17A9BBD1F}" type="datetimeFigureOut">
               <a:rPr lang="en-US" smtClean="0"/>
-              <a:t>5/25/2019</a:t>
+              <a:t>4/15/2020</a:t>
             </a:fld>
             <a:endParaRPr lang="en-US"/>
           </a:p>
@@ -2105,7 +2106,7 @@
           <a:p>
             <a:fld id="{E5B10194-B428-4D68-B749-C4A17A9BBD1F}" type="datetimeFigureOut">
               <a:rPr lang="en-US" smtClean="0"/>
-              <a:t>5/25/2019</a:t>
+              <a:t>4/15/2020</a:t>
             </a:fld>
             <a:endParaRPr lang="en-US"/>
           </a:p>
@@ -2358,7 +2359,7 @@
           <a:p>
             <a:fld id="{E5B10194-B428-4D68-B749-C4A17A9BBD1F}" type="datetimeFigureOut">
               <a:rPr lang="en-US" smtClean="0"/>
-              <a:t>5/25/2019</a:t>
+              <a:t>4/15/2020</a:t>
             </a:fld>
             <a:endParaRPr lang="en-US"/>
           </a:p>
@@ -2571,7 +2572,7 @@
           <a:p>
             <a:fld id="{E5B10194-B428-4D68-B749-C4A17A9BBD1F}" type="datetimeFigureOut">
               <a:rPr lang="en-US" smtClean="0"/>
-              <a:t>5/25/2019</a:t>
+              <a:t>4/15/2020</a:t>
             </a:fld>
             <a:endParaRPr lang="en-US"/>
           </a:p>
@@ -4125,6 +4126,166 @@
   <p:clrMapOvr>
     <a:masterClrMapping/>
   </p:clrMapOvr>
+  <p:timing>
+    <p:tnLst>
+      <p:par>
+        <p:cTn id="1" dur="indefinite" restart="never" nodeType="tmRoot"/>
+      </p:par>
+    </p:tnLst>
+  </p:timing>
+</p:sld>
+</file>
+
+<file path=ppt/slides/slide9.xml><?xml version="1.0" encoding="utf-8"?>
+<p:sld xmlns:a="http://schemas.openxmlformats.org/drawingml/2006/main" xmlns:r="http://schemas.openxmlformats.org/officeDocument/2006/relationships" xmlns:p="http://schemas.openxmlformats.org/presentationml/2006/main">
+  <p:cSld>
+    <p:bg>
+      <p:bgPr>
+        <a:solidFill>
+          <a:schemeClr val="bg1">
+            <a:lumMod val="95000"/>
+          </a:schemeClr>
+        </a:solidFill>
+        <a:effectLst/>
+      </p:bgPr>
+    </p:bg>
+    <p:spTree>
+      <p:nvGrpSpPr>
+        <p:cNvPr id="1" name=""/>
+        <p:cNvGrpSpPr/>
+        <p:nvPr/>
+      </p:nvGrpSpPr>
+      <p:grpSpPr>
+        <a:xfrm>
+          <a:off x="0" y="0"/>
+          <a:ext cx="0" cy="0"/>
+          <a:chOff x="0" y="0"/>
+          <a:chExt cx="0" cy="0"/>
+        </a:xfrm>
+      </p:grpSpPr>
+      <p:sp>
+        <p:nvSpPr>
+          <p:cNvPr id="5" name="Content Placeholder 4"/>
+          <p:cNvSpPr>
+            <a:spLocks noGrp="1"/>
+          </p:cNvSpPr>
+          <p:nvPr>
+            <p:ph idx="1"/>
+          </p:nvPr>
+        </p:nvSpPr>
+        <p:spPr>
+          <a:xfrm>
+            <a:off x="4472543" y="1433663"/>
+            <a:ext cx="7170540" cy="1601126"/>
+          </a:xfrm>
+        </p:spPr>
+        <p:txBody>
+          <a:bodyPr>
+            <a:normAutofit lnSpcReduction="10000"/>
+          </a:bodyPr>
+          <a:lstStyle/>
+          <a:p>
+            <a:pPr marL="0" indent="0" algn="ctr">
+              <a:buNone/>
+            </a:pPr>
+            <a:r>
+              <a:rPr lang="es-CO" sz="6000" dirty="0" smtClean="0">
+                <a:latin typeface="Arial" panose="020B0604020202020204" pitchFamily="34" charset="0"/>
+                <a:cs typeface="Arial" panose="020B0604020202020204" pitchFamily="34" charset="0"/>
+              </a:rPr>
+              <a:t>AMORTIZACIÓN DE CRÉDITO</a:t>
+            </a:r>
+            <a:endParaRPr lang="en-US" sz="6000" dirty="0">
+              <a:latin typeface="Arial" panose="020B0604020202020204" pitchFamily="34" charset="0"/>
+              <a:cs typeface="Arial" panose="020B0604020202020204" pitchFamily="34" charset="0"/>
+            </a:endParaRPr>
+          </a:p>
+        </p:txBody>
+      </p:sp>
+      <p:sp>
+        <p:nvSpPr>
+          <p:cNvPr id="6" name="Text Placeholder 5"/>
+          <p:cNvSpPr>
+            <a:spLocks noGrp="1"/>
+          </p:cNvSpPr>
+          <p:nvPr>
+            <p:ph type="body" sz="half" idx="2"/>
+          </p:nvPr>
+        </p:nvSpPr>
+        <p:spPr>
+          <a:xfrm>
+            <a:off x="534321" y="5168171"/>
+            <a:ext cx="4353544" cy="846822"/>
+          </a:xfrm>
+        </p:spPr>
+        <p:txBody>
+          <a:bodyPr>
+            <a:noAutofit/>
+          </a:bodyPr>
+          <a:lstStyle/>
+          <a:p>
+            <a:pPr algn="ctr"/>
+            <a:r>
+              <a:rPr lang="es-CO" sz="4000" dirty="0" smtClean="0">
+                <a:latin typeface="Arial" panose="020B0604020202020204" pitchFamily="34" charset="0"/>
+                <a:cs typeface="Arial" panose="020B0604020202020204" pitchFamily="34" charset="0"/>
+              </a:rPr>
+              <a:t>AMORTIZACIÓN</a:t>
+            </a:r>
+            <a:endParaRPr lang="en-US" sz="4000" dirty="0">
+              <a:latin typeface="Arial" panose="020B0604020202020204" pitchFamily="34" charset="0"/>
+              <a:cs typeface="Arial" panose="020B0604020202020204" pitchFamily="34" charset="0"/>
+            </a:endParaRPr>
+          </a:p>
+        </p:txBody>
+      </p:sp>
+      <p:pic>
+        <p:nvPicPr>
+          <p:cNvPr id="4" name="Imagen 3"/>
+          <p:cNvPicPr>
+            <a:picLocks noChangeAspect="1"/>
+          </p:cNvPicPr>
+          <p:nvPr/>
+        </p:nvPicPr>
+        <p:blipFill>
+          <a:blip r:embed="rId2">
+            <a:extLst>
+              <a:ext uri="{28A0092B-C50C-407E-A947-70E740481C1C}">
+                <a14:useLocalDpi xmlns:a14="http://schemas.microsoft.com/office/drawing/2010/main" val="0"/>
+              </a:ext>
+            </a:extLst>
+          </a:blip>
+          <a:stretch>
+            <a:fillRect/>
+          </a:stretch>
+        </p:blipFill>
+        <p:spPr>
+          <a:xfrm>
+            <a:off x="534321" y="866055"/>
+            <a:ext cx="4095389" cy="3067589"/>
+          </a:xfrm>
+          <a:prstGeom prst="rect">
+            <a:avLst/>
+          </a:prstGeom>
+        </p:spPr>
+      </p:pic>
+    </p:spTree>
+    <p:extLst>
+      <p:ext uri="{BB962C8B-B14F-4D97-AF65-F5344CB8AC3E}">
+        <p14:creationId xmlns:p14="http://schemas.microsoft.com/office/powerpoint/2010/main" val="3601329973"/>
+      </p:ext>
+    </p:extLst>
+  </p:cSld>
+  <p:clrMapOvr>
+    <a:masterClrMapping/>
+  </p:clrMapOvr>
+  <p:timing>
+    <p:tnLst>
+      <p:par>
+        <p:cTn id="1" dur="indefinite" restart="never" nodeType="tmRoot"/>
+      </p:par>
+    </p:tnLst>
+  </p:timing>
 </p:sld>
 </file>
 
